--- a/Figure-6-2/Figure62/Figure62_fullslide_169.pptx
+++ b/Figure-6-2/Figure62/Figure62_fullslide_169.pptx
@@ -941,6 +941,964 @@
             <a:r>
               <a:rPr/>
               <a:t>2020-21</a:t>
+            </a:r>
+          </a:p>
+          <a:p>
+            <a:pPr lvl="0" marL="0" indent="0">
+              <a:buNone/>
+            </a:pPr>
+          </a:p>
+          <a:p>
+            <a:pPr lvl="0" marL="0" indent="0">
+              <a:buNone/>
+            </a:pPr>
+            <a:r>
+              <a:rPr/>
+              <a:t>Note:</a:t>
+            </a:r>
+            <a:r>
+              <a:rPr/>
+              <a:t> </a:t>
+            </a:r>
+            <a:r>
+              <a:rPr/>
+              <a:t>Earnings</a:t>
+            </a:r>
+            <a:r>
+              <a:rPr/>
+              <a:t> </a:t>
+            </a:r>
+            <a:r>
+              <a:rPr/>
+              <a:t>estimated</a:t>
+            </a:r>
+            <a:r>
+              <a:rPr/>
+              <a:t> </a:t>
+            </a:r>
+            <a:r>
+              <a:rPr/>
+              <a:t>as</a:t>
+            </a:r>
+            <a:r>
+              <a:rPr/>
+              <a:t> </a:t>
+            </a:r>
+            <a:r>
+              <a:rPr/>
+              <a:t>5%</a:t>
+            </a:r>
+            <a:r>
+              <a:rPr/>
+              <a:t> </a:t>
+            </a:r>
+            <a:r>
+              <a:rPr/>
+              <a:t>of</a:t>
+            </a:r>
+            <a:r>
+              <a:rPr/>
+              <a:t> </a:t>
+            </a:r>
+            <a:r>
+              <a:rPr/>
+              <a:t>super</a:t>
+            </a:r>
+            <a:r>
+              <a:rPr/>
+              <a:t> </a:t>
+            </a:r>
+            <a:r>
+              <a:rPr/>
+              <a:t>balances.</a:t>
+            </a:r>
+            <a:r>
+              <a:rPr/>
+              <a:t> </a:t>
+            </a:r>
+            <a:r>
+              <a:rPr/>
+              <a:t>Effective</a:t>
+            </a:r>
+            <a:r>
+              <a:rPr/>
+              <a:t> </a:t>
+            </a:r>
+            <a:r>
+              <a:rPr/>
+              <a:t>earnings</a:t>
+            </a:r>
+            <a:r>
+              <a:rPr/>
+              <a:t> </a:t>
+            </a:r>
+            <a:r>
+              <a:rPr/>
+              <a:t>tax</a:t>
+            </a:r>
+            <a:r>
+              <a:rPr/>
+              <a:t> </a:t>
+            </a:r>
+            <a:r>
+              <a:rPr/>
+              <a:t>assumed</a:t>
+            </a:r>
+            <a:r>
+              <a:rPr/>
+              <a:t> </a:t>
+            </a:r>
+            <a:r>
+              <a:rPr/>
+              <a:t>to</a:t>
+            </a:r>
+            <a:r>
+              <a:rPr/>
+              <a:t> </a:t>
+            </a:r>
+            <a:r>
+              <a:rPr/>
+              <a:t>be</a:t>
+            </a:r>
+            <a:r>
+              <a:rPr/>
+              <a:t> </a:t>
+            </a:r>
+            <a:r>
+              <a:rPr/>
+              <a:t>12.5%.</a:t>
+            </a:r>
+            <a:r>
+              <a:rPr/>
+              <a:t> </a:t>
+            </a:r>
+            <a:r>
+              <a:rPr/>
+              <a:t>Behavioural</a:t>
+            </a:r>
+            <a:r>
+              <a:rPr/>
+              <a:t> </a:t>
+            </a:r>
+            <a:r>
+              <a:rPr/>
+              <a:t>response</a:t>
+            </a:r>
+            <a:r>
+              <a:rPr/>
+              <a:t> </a:t>
+            </a:r>
+            <a:r>
+              <a:rPr/>
+              <a:t>assumed</a:t>
+            </a:r>
+            <a:r>
+              <a:rPr/>
+              <a:t> </a:t>
+            </a:r>
+            <a:r>
+              <a:rPr/>
+              <a:t>to</a:t>
+            </a:r>
+            <a:r>
+              <a:rPr/>
+              <a:t> </a:t>
+            </a:r>
+            <a:r>
+              <a:rPr/>
+              <a:t>be</a:t>
+            </a:r>
+            <a:r>
+              <a:rPr/>
+              <a:t> </a:t>
+            </a:r>
+            <a:r>
+              <a:rPr/>
+              <a:t>that</a:t>
+            </a:r>
+            <a:r>
+              <a:rPr/>
+              <a:t> </a:t>
+            </a:r>
+            <a:r>
+              <a:rPr/>
+              <a:t>individuals</a:t>
+            </a:r>
+            <a:r>
+              <a:rPr/>
+              <a:t> </a:t>
+            </a:r>
+            <a:r>
+              <a:rPr/>
+              <a:t>whose</a:t>
+            </a:r>
+            <a:r>
+              <a:rPr/>
+              <a:t> </a:t>
+            </a:r>
+            <a:r>
+              <a:rPr/>
+              <a:t>taxable</a:t>
+            </a:r>
+            <a:r>
+              <a:rPr/>
+              <a:t> </a:t>
+            </a:r>
+            <a:r>
+              <a:rPr/>
+              <a:t>income</a:t>
+            </a:r>
+            <a:r>
+              <a:rPr/>
+              <a:t> </a:t>
+            </a:r>
+            <a:r>
+              <a:rPr/>
+              <a:t>is</a:t>
+            </a:r>
+            <a:r>
+              <a:rPr/>
+              <a:t> </a:t>
+            </a:r>
+            <a:r>
+              <a:rPr/>
+              <a:t>below</a:t>
+            </a:r>
+            <a:r>
+              <a:rPr/>
+              <a:t> </a:t>
+            </a:r>
+            <a:r>
+              <a:rPr/>
+              <a:t>either</a:t>
+            </a:r>
+            <a:r>
+              <a:rPr/>
+              <a:t> </a:t>
+            </a:r>
+            <a:r>
+              <a:rPr/>
+              <a:t>the</a:t>
+            </a:r>
+            <a:r>
+              <a:rPr/>
+              <a:t> </a:t>
+            </a:r>
+            <a:r>
+              <a:rPr/>
+              <a:t>tax-free</a:t>
+            </a:r>
+            <a:r>
+              <a:rPr/>
+              <a:t> </a:t>
+            </a:r>
+            <a:r>
+              <a:rPr/>
+              <a:t>threshold</a:t>
+            </a:r>
+            <a:r>
+              <a:rPr/>
+              <a:t> </a:t>
+            </a:r>
+            <a:r>
+              <a:rPr/>
+              <a:t>or</a:t>
+            </a:r>
+            <a:r>
+              <a:rPr/>
+              <a:t> </a:t>
+            </a:r>
+            <a:r>
+              <a:rPr/>
+              <a:t>the</a:t>
+            </a:r>
+            <a:r>
+              <a:rPr/>
+              <a:t> </a:t>
+            </a:r>
+            <a:r>
+              <a:rPr/>
+              <a:t>taxable</a:t>
+            </a:r>
+            <a:r>
+              <a:rPr/>
+              <a:t> </a:t>
+            </a:r>
+            <a:r>
+              <a:rPr/>
+              <a:t>income</a:t>
+            </a:r>
+            <a:r>
+              <a:rPr/>
+              <a:t> </a:t>
+            </a:r>
+            <a:r>
+              <a:rPr/>
+              <a:t>at</a:t>
+            </a:r>
+            <a:r>
+              <a:rPr/>
+              <a:t> </a:t>
+            </a:r>
+            <a:r>
+              <a:rPr/>
+              <a:t>which</a:t>
+            </a:r>
+            <a:r>
+              <a:rPr/>
+              <a:t> </a:t>
+            </a:r>
+            <a:r>
+              <a:rPr/>
+              <a:t>most</a:t>
+            </a:r>
+            <a:r>
+              <a:rPr/>
+              <a:t> </a:t>
+            </a:r>
+            <a:r>
+              <a:rPr/>
+              <a:t>people’s</a:t>
+            </a:r>
+            <a:r>
+              <a:rPr/>
+              <a:t> </a:t>
+            </a:r>
+            <a:r>
+              <a:rPr/>
+              <a:t>marginal</a:t>
+            </a:r>
+            <a:r>
+              <a:rPr/>
+              <a:t> </a:t>
+            </a:r>
+            <a:r>
+              <a:rPr/>
+              <a:t>tax</a:t>
+            </a:r>
+            <a:r>
+              <a:rPr/>
+              <a:t> </a:t>
+            </a:r>
+            <a:r>
+              <a:rPr/>
+              <a:t>rate</a:t>
+            </a:r>
+            <a:r>
+              <a:rPr/>
+              <a:t> </a:t>
+            </a:r>
+            <a:r>
+              <a:rPr/>
+              <a:t>exceeds</a:t>
+            </a:r>
+            <a:r>
+              <a:rPr/>
+              <a:t> </a:t>
+            </a:r>
+            <a:r>
+              <a:rPr/>
+              <a:t>12.5%</a:t>
+            </a:r>
+            <a:r>
+              <a:rPr/>
+              <a:t> </a:t>
+            </a:r>
+            <a:r>
+              <a:rPr/>
+              <a:t>would</a:t>
+            </a:r>
+            <a:r>
+              <a:rPr/>
+              <a:t> </a:t>
+            </a:r>
+            <a:r>
+              <a:rPr/>
+              <a:t>transfer</a:t>
+            </a:r>
+            <a:r>
+              <a:rPr/>
+              <a:t> </a:t>
+            </a:r>
+            <a:r>
+              <a:rPr/>
+              <a:t>as</a:t>
+            </a:r>
+            <a:r>
+              <a:rPr/>
+              <a:t> </a:t>
+            </a:r>
+            <a:r>
+              <a:rPr/>
+              <a:t>much</a:t>
+            </a:r>
+            <a:r>
+              <a:rPr/>
+              <a:t> </a:t>
+            </a:r>
+            <a:r>
+              <a:rPr/>
+              <a:t>super</a:t>
+            </a:r>
+            <a:r>
+              <a:rPr/>
+              <a:t> </a:t>
+            </a:r>
+            <a:r>
+              <a:rPr/>
+              <a:t>earnings</a:t>
+            </a:r>
+            <a:r>
+              <a:rPr/>
+              <a:t> </a:t>
+            </a:r>
+            <a:r>
+              <a:rPr/>
+              <a:t>into</a:t>
+            </a:r>
+            <a:r>
+              <a:rPr/>
+              <a:t> </a:t>
+            </a:r>
+            <a:r>
+              <a:rPr/>
+              <a:t>their</a:t>
+            </a:r>
+            <a:r>
+              <a:rPr/>
+              <a:t> </a:t>
+            </a:r>
+            <a:r>
+              <a:rPr/>
+              <a:t>taxable</a:t>
+            </a:r>
+            <a:r>
+              <a:rPr/>
+              <a:t> </a:t>
+            </a:r>
+            <a:r>
+              <a:rPr/>
+              <a:t>income</a:t>
+            </a:r>
+            <a:r>
+              <a:rPr/>
+              <a:t> </a:t>
+            </a:r>
+            <a:r>
+              <a:rPr/>
+              <a:t>as</a:t>
+            </a:r>
+            <a:r>
+              <a:rPr/>
+              <a:t> </a:t>
+            </a:r>
+            <a:r>
+              <a:rPr/>
+              <a:t>would</a:t>
+            </a:r>
+            <a:r>
+              <a:rPr/>
+              <a:t> </a:t>
+            </a:r>
+            <a:r>
+              <a:rPr/>
+              <a:t>reduce</a:t>
+            </a:r>
+            <a:r>
+              <a:rPr/>
+              <a:t> </a:t>
+            </a:r>
+            <a:r>
+              <a:rPr/>
+              <a:t>their</a:t>
+            </a:r>
+            <a:r>
+              <a:rPr/>
+              <a:t> </a:t>
+            </a:r>
+            <a:r>
+              <a:rPr/>
+              <a:t>tax.</a:t>
+            </a:r>
+            <a:r>
+              <a:rPr/>
+              <a:t> </a:t>
+            </a:r>
+            <a:r>
+              <a:rPr/>
+              <a:t>The</a:t>
+            </a:r>
+            <a:r>
+              <a:rPr/>
+              <a:t> </a:t>
+            </a:r>
+            <a:r>
+              <a:rPr/>
+              <a:t>effective</a:t>
+            </a:r>
+            <a:r>
+              <a:rPr/>
+              <a:t> </a:t>
+            </a:r>
+            <a:r>
+              <a:rPr/>
+              <a:t>tax-free</a:t>
+            </a:r>
+            <a:r>
+              <a:rPr/>
+              <a:t> </a:t>
+            </a:r>
+            <a:r>
+              <a:rPr/>
+              <a:t>threshold</a:t>
+            </a:r>
+            <a:r>
+              <a:rPr/>
+              <a:t> </a:t>
+            </a:r>
+            <a:r>
+              <a:rPr/>
+              <a:t>is</a:t>
+            </a:r>
+            <a:r>
+              <a:rPr/>
+              <a:t> </a:t>
+            </a:r>
+            <a:r>
+              <a:rPr/>
+              <a:t>the</a:t>
+            </a:r>
+            <a:r>
+              <a:rPr/>
+              <a:t> </a:t>
+            </a:r>
+            <a:r>
+              <a:rPr/>
+              <a:t>most</a:t>
+            </a:r>
+            <a:r>
+              <a:rPr/>
+              <a:t> </a:t>
+            </a:r>
+            <a:r>
+              <a:rPr/>
+              <a:t>common</a:t>
+            </a:r>
+            <a:r>
+              <a:rPr/>
+              <a:t> </a:t>
+            </a:r>
+            <a:r>
+              <a:rPr/>
+              <a:t>taxable</a:t>
+            </a:r>
+            <a:r>
+              <a:rPr/>
+              <a:t> </a:t>
+            </a:r>
+            <a:r>
+              <a:rPr/>
+              <a:t>income</a:t>
+            </a:r>
+            <a:r>
+              <a:rPr/>
+              <a:t> </a:t>
+            </a:r>
+            <a:r>
+              <a:rPr/>
+              <a:t>in</a:t>
+            </a:r>
+            <a:r>
+              <a:rPr/>
+              <a:t> </a:t>
+            </a:r>
+            <a:r>
+              <a:rPr/>
+              <a:t>which</a:t>
+            </a:r>
+            <a:r>
+              <a:rPr/>
+              <a:t> </a:t>
+            </a:r>
+            <a:r>
+              <a:rPr/>
+              <a:t>people</a:t>
+            </a:r>
+            <a:r>
+              <a:rPr/>
+              <a:t> </a:t>
+            </a:r>
+            <a:r>
+              <a:rPr/>
+              <a:t>of</a:t>
+            </a:r>
+            <a:r>
+              <a:rPr/>
+              <a:t> </a:t>
+            </a:r>
+            <a:r>
+              <a:rPr/>
+              <a:t>that</a:t>
+            </a:r>
+            <a:r>
+              <a:rPr/>
+              <a:t> </a:t>
+            </a:r>
+            <a:r>
+              <a:rPr/>
+              <a:t>age</a:t>
+            </a:r>
+            <a:r>
+              <a:rPr/>
+              <a:t> </a:t>
+            </a:r>
+            <a:r>
+              <a:rPr/>
+              <a:t>and</a:t>
+            </a:r>
+            <a:r>
+              <a:rPr/>
+              <a:t> </a:t>
+            </a:r>
+            <a:r>
+              <a:rPr/>
+              <a:t>partner</a:t>
+            </a:r>
+            <a:r>
+              <a:rPr/>
+              <a:t> </a:t>
+            </a:r>
+            <a:r>
+              <a:rPr/>
+              <a:t>status</a:t>
+            </a:r>
+            <a:r>
+              <a:rPr/>
+              <a:t> </a:t>
+            </a:r>
+            <a:r>
+              <a:rPr/>
+              <a:t>pay</a:t>
+            </a:r>
+            <a:r>
+              <a:rPr/>
+              <a:t> </a:t>
+            </a:r>
+            <a:r>
+              <a:rPr/>
+              <a:t>between</a:t>
+            </a:r>
+            <a:r>
+              <a:rPr/>
+              <a:t> </a:t>
+            </a:r>
+            <a:r>
+              <a:rPr/>
+              <a:t>$1</a:t>
+            </a:r>
+            <a:r>
+              <a:rPr/>
+              <a:t> </a:t>
+            </a:r>
+            <a:r>
+              <a:rPr/>
+              <a:t>and</a:t>
+            </a:r>
+            <a:r>
+              <a:rPr/>
+              <a:t> </a:t>
+            </a:r>
+            <a:r>
+              <a:rPr/>
+              <a:t>$100</a:t>
+            </a:r>
+            <a:r>
+              <a:rPr/>
+              <a:t> </a:t>
+            </a:r>
+            <a:r>
+              <a:rPr/>
+              <a:t>income</a:t>
+            </a:r>
+            <a:r>
+              <a:rPr/>
+              <a:t> </a:t>
+            </a:r>
+            <a:r>
+              <a:rPr/>
+              <a:t>tax.</a:t>
+            </a:r>
+            <a:r>
+              <a:rPr/>
+              <a:t> </a:t>
+            </a:r>
+            <a:r>
+              <a:rPr/>
+              <a:t>The</a:t>
+            </a:r>
+            <a:r>
+              <a:rPr/>
+              <a:t> </a:t>
+            </a:r>
+            <a:r>
+              <a:rPr/>
+              <a:t>threshold</a:t>
+            </a:r>
+            <a:r>
+              <a:rPr/>
+              <a:t> </a:t>
+            </a:r>
+            <a:r>
+              <a:rPr/>
+              <a:t>for</a:t>
+            </a:r>
+            <a:r>
+              <a:rPr/>
+              <a:t> </a:t>
+            </a:r>
+            <a:r>
+              <a:rPr/>
+              <a:t>the</a:t>
+            </a:r>
+            <a:r>
+              <a:rPr/>
+              <a:t> </a:t>
+            </a:r>
+            <a:r>
+              <a:rPr/>
+              <a:t>12.5%</a:t>
+            </a:r>
+            <a:r>
+              <a:rPr/>
+              <a:t> </a:t>
+            </a:r>
+            <a:r>
+              <a:rPr/>
+              <a:t>marginal</a:t>
+            </a:r>
+            <a:r>
+              <a:rPr/>
+              <a:t> </a:t>
+            </a:r>
+            <a:r>
+              <a:rPr/>
+              <a:t>rate</a:t>
+            </a:r>
+            <a:r>
+              <a:rPr/>
+              <a:t> </a:t>
+            </a:r>
+            <a:r>
+              <a:rPr/>
+              <a:t>is</a:t>
+            </a:r>
+            <a:r>
+              <a:rPr/>
+              <a:t> </a:t>
+            </a:r>
+            <a:r>
+              <a:rPr/>
+              <a:t>the</a:t>
+            </a:r>
+            <a:r>
+              <a:rPr/>
+              <a:t> </a:t>
+            </a:r>
+            <a:r>
+              <a:rPr/>
+              <a:t>minimum</a:t>
+            </a:r>
+            <a:r>
+              <a:rPr/>
+              <a:t> </a:t>
+            </a:r>
+            <a:r>
+              <a:rPr/>
+              <a:t>taxable</a:t>
+            </a:r>
+            <a:r>
+              <a:rPr/>
+              <a:t> </a:t>
+            </a:r>
+            <a:r>
+              <a:rPr/>
+              <a:t>income</a:t>
+            </a:r>
+            <a:r>
+              <a:rPr/>
+              <a:t> </a:t>
+            </a:r>
+            <a:r>
+              <a:rPr/>
+              <a:t>at</a:t>
+            </a:r>
+            <a:r>
+              <a:rPr/>
+              <a:t> </a:t>
+            </a:r>
+            <a:r>
+              <a:rPr/>
+              <a:t>which</a:t>
+            </a:r>
+            <a:r>
+              <a:rPr/>
+              <a:t> </a:t>
+            </a:r>
+            <a:r>
+              <a:rPr/>
+              <a:t>the</a:t>
+            </a:r>
+            <a:r>
+              <a:rPr/>
+              <a:t> </a:t>
+            </a:r>
+            <a:r>
+              <a:rPr/>
+              <a:t>marginal</a:t>
+            </a:r>
+            <a:r>
+              <a:rPr/>
+              <a:t> </a:t>
+            </a:r>
+            <a:r>
+              <a:rPr/>
+              <a:t>tax</a:t>
+            </a:r>
+            <a:r>
+              <a:rPr/>
+              <a:t> </a:t>
+            </a:r>
+            <a:r>
+              <a:rPr/>
+              <a:t>rate</a:t>
+            </a:r>
+            <a:r>
+              <a:rPr/>
+              <a:t> </a:t>
+            </a:r>
+            <a:r>
+              <a:rPr/>
+              <a:t>is</a:t>
+            </a:r>
+            <a:r>
+              <a:rPr/>
+              <a:t> </a:t>
+            </a:r>
+            <a:r>
+              <a:rPr/>
+              <a:t>greater</a:t>
+            </a:r>
+            <a:r>
+              <a:rPr/>
+              <a:t> </a:t>
+            </a:r>
+            <a:r>
+              <a:rPr/>
+              <a:t>than</a:t>
+            </a:r>
+            <a:r>
+              <a:rPr/>
+              <a:t> </a:t>
+            </a:r>
+            <a:r>
+              <a:rPr/>
+              <a:t>12.5%</a:t>
+            </a:r>
+            <a:r>
+              <a:rPr/>
+              <a:t> </a:t>
+            </a:r>
+            <a:r>
+              <a:rPr/>
+              <a:t>for</a:t>
+            </a:r>
+            <a:r>
+              <a:rPr/>
+              <a:t> </a:t>
+            </a:r>
+            <a:r>
+              <a:rPr/>
+              <a:t>that</a:t>
+            </a:r>
+            <a:r>
+              <a:rPr/>
+              <a:t> </a:t>
+            </a:r>
+            <a:r>
+              <a:rPr/>
+              <a:t>age</a:t>
+            </a:r>
+            <a:r>
+              <a:rPr/>
+              <a:t> </a:t>
+            </a:r>
+            <a:r>
+              <a:rPr/>
+              <a:t>and</a:t>
+            </a:r>
+            <a:r>
+              <a:rPr/>
+              <a:t> </a:t>
+            </a:r>
+            <a:r>
+              <a:rPr/>
+              <a:t>partner</a:t>
+            </a:r>
+            <a:r>
+              <a:rPr/>
+              <a:t> </a:t>
+            </a:r>
+            <a:r>
+              <a:rPr/>
+              <a:t>status.</a:t>
+            </a:r>
+            <a:r>
+              <a:rPr/>
+              <a:t> </a:t>
+            </a:r>
+            <a:r>
+              <a:rPr/>
+              <a:t>Source:</a:t>
+            </a:r>
+            <a:r>
+              <a:rPr/>
+              <a:t> </a:t>
+            </a:r>
+            <a:r>
+              <a:rPr/>
+              <a:t>ATO</a:t>
+            </a:r>
+            <a:r>
+              <a:rPr/>
+              <a:t> </a:t>
+            </a:r>
+            <a:r>
+              <a:rPr/>
+              <a:t>2017-18</a:t>
+            </a:r>
+            <a:r>
+              <a:rPr/>
+              <a:t> </a:t>
+            </a:r>
+            <a:r>
+              <a:rPr/>
+              <a:t>2%</a:t>
+            </a:r>
+            <a:r>
+              <a:rPr/>
+              <a:t> </a:t>
+            </a:r>
+            <a:r>
+              <a:rPr/>
+              <a:t>sample</a:t>
+            </a:r>
+            <a:r>
+              <a:rPr/>
+              <a:t> </a:t>
+            </a:r>
+            <a:r>
+              <a:rPr/>
+              <a:t>file.</a:t>
             </a:r>
           </a:p>
           <a:p>
@@ -4315,7 +5273,7 @@
           <p:spPr>
             <a:xfrm>
               <a:off x="1781393" y="1504216"/>
-              <a:ext cx="9759626" cy="4752583"/>
+              <a:ext cx="9759626" cy="3897185"/>
             </a:xfrm>
             <a:prstGeom prst="rect">
               <a:avLst/>
@@ -4340,7 +5298,7 @@
           </p:nvSpPr>
           <p:spPr>
             <a:xfrm>
-              <a:off x="1781393" y="6256799"/>
+              <a:off x="1781393" y="5401401"/>
               <a:ext cx="9759626" cy="0"/>
             </a:xfrm>
             <a:custGeom>
@@ -4383,7 +5341,7 @@
           </p:nvSpPr>
           <p:spPr>
             <a:xfrm>
-              <a:off x="1781393" y="4496022"/>
+              <a:off x="1781393" y="3668766"/>
               <a:ext cx="9759626" cy="0"/>
             </a:xfrm>
             <a:custGeom>
@@ -4426,7 +5384,7 @@
           </p:nvSpPr>
           <p:spPr>
             <a:xfrm>
-              <a:off x="1781393" y="2735245"/>
+              <a:off x="1781393" y="1936132"/>
               <a:ext cx="9759626" cy="0"/>
             </a:xfrm>
             <a:custGeom>
@@ -4469,8 +5427,8 @@
           </p:nvSpPr>
           <p:spPr>
             <a:xfrm>
-              <a:off x="1924917" y="6177946"/>
-              <a:ext cx="215285" cy="78852"/>
+              <a:off x="1924917" y="5336740"/>
+              <a:ext cx="215285" cy="64660"/>
             </a:xfrm>
             <a:prstGeom prst="rect">
               <a:avLst/>
@@ -4504,8 +5462,8 @@
           </p:nvSpPr>
           <p:spPr>
             <a:xfrm>
-              <a:off x="2140203" y="6248482"/>
-              <a:ext cx="215285" cy="8316"/>
+              <a:off x="2140203" y="5394567"/>
+              <a:ext cx="215285" cy="6833"/>
             </a:xfrm>
             <a:prstGeom prst="rect">
               <a:avLst/>
@@ -4539,8 +5497,8 @@
           </p:nvSpPr>
           <p:spPr>
             <a:xfrm>
-              <a:off x="2355489" y="6248269"/>
-              <a:ext cx="215285" cy="8530"/>
+              <a:off x="2355489" y="5394406"/>
+              <a:ext cx="215285" cy="6994"/>
             </a:xfrm>
             <a:prstGeom prst="rect">
               <a:avLst/>
@@ -4574,8 +5532,8 @@
           </p:nvSpPr>
           <p:spPr>
             <a:xfrm>
-              <a:off x="2570774" y="6251419"/>
-              <a:ext cx="215285" cy="5380"/>
+              <a:off x="2570774" y="5396983"/>
+              <a:ext cx="215285" cy="4417"/>
             </a:xfrm>
             <a:prstGeom prst="rect">
               <a:avLst/>
@@ -4609,8 +5567,8 @@
           </p:nvSpPr>
           <p:spPr>
             <a:xfrm>
-              <a:off x="2881743" y="6074591"/>
-              <a:ext cx="215285" cy="182207"/>
+              <a:off x="2881743" y="5251988"/>
+              <a:ext cx="215285" cy="149412"/>
             </a:xfrm>
             <a:prstGeom prst="rect">
               <a:avLst/>
@@ -4644,8 +5602,8 @@
           </p:nvSpPr>
           <p:spPr>
             <a:xfrm>
-              <a:off x="3097029" y="6255870"/>
-              <a:ext cx="215285" cy="928"/>
+              <a:off x="3097029" y="5400639"/>
+              <a:ext cx="215285" cy="761"/>
             </a:xfrm>
             <a:prstGeom prst="rect">
               <a:avLst/>
@@ -4679,8 +5637,8 @@
           </p:nvSpPr>
           <p:spPr>
             <a:xfrm>
-              <a:off x="3312315" y="6255715"/>
-              <a:ext cx="215285" cy="1084"/>
+              <a:off x="3312315" y="5400511"/>
+              <a:ext cx="215285" cy="889"/>
             </a:xfrm>
             <a:prstGeom prst="rect">
               <a:avLst/>
@@ -4714,7 +5672,7 @@
           </p:nvSpPr>
           <p:spPr>
             <a:xfrm>
-              <a:off x="3527601" y="6256799"/>
+              <a:off x="3527601" y="5401401"/>
               <a:ext cx="215285" cy="0"/>
             </a:xfrm>
             <a:prstGeom prst="rect">
@@ -4749,8 +5707,8 @@
           </p:nvSpPr>
           <p:spPr>
             <a:xfrm>
-              <a:off x="3838569" y="5997191"/>
-              <a:ext cx="215285" cy="259607"/>
+              <a:off x="3838569" y="5188519"/>
+              <a:ext cx="215285" cy="212882"/>
             </a:xfrm>
             <a:prstGeom prst="rect">
               <a:avLst/>
@@ -4784,8 +5742,8 @@
           </p:nvSpPr>
           <p:spPr>
             <a:xfrm>
-              <a:off x="4053855" y="6190096"/>
-              <a:ext cx="215285" cy="66703"/>
+              <a:off x="4053855" y="5346678"/>
+              <a:ext cx="215285" cy="54723"/>
             </a:xfrm>
             <a:prstGeom prst="rect">
               <a:avLst/>
@@ -4819,8 +5777,8 @@
           </p:nvSpPr>
           <p:spPr>
             <a:xfrm>
-              <a:off x="4269141" y="6241447"/>
-              <a:ext cx="215285" cy="15352"/>
+              <a:off x="4269141" y="5388812"/>
+              <a:ext cx="215285" cy="12589"/>
             </a:xfrm>
             <a:prstGeom prst="rect">
               <a:avLst/>
@@ -4854,8 +5812,8 @@
           </p:nvSpPr>
           <p:spPr>
             <a:xfrm>
-              <a:off x="4484427" y="6256048"/>
-              <a:ext cx="215285" cy="751"/>
+              <a:off x="4484427" y="5400784"/>
+              <a:ext cx="215285" cy="616"/>
             </a:xfrm>
             <a:prstGeom prst="rect">
               <a:avLst/>
@@ -4889,8 +5847,8 @@
           </p:nvSpPr>
           <p:spPr>
             <a:xfrm>
-              <a:off x="4795395" y="5875158"/>
-              <a:ext cx="215285" cy="381641"/>
+              <a:off x="4795395" y="5088449"/>
+              <a:ext cx="215285" cy="312951"/>
             </a:xfrm>
             <a:prstGeom prst="rect">
               <a:avLst/>
@@ -4924,8 +5882,8 @@
           </p:nvSpPr>
           <p:spPr>
             <a:xfrm>
-              <a:off x="5010681" y="6025084"/>
-              <a:ext cx="215285" cy="231714"/>
+              <a:off x="5010681" y="5211366"/>
+              <a:ext cx="215285" cy="190034"/>
             </a:xfrm>
             <a:prstGeom prst="rect">
               <a:avLst/>
@@ -4959,8 +5917,8 @@
           </p:nvSpPr>
           <p:spPr>
             <a:xfrm>
-              <a:off x="5225967" y="6200150"/>
-              <a:ext cx="215285" cy="56649"/>
+              <a:off x="5225967" y="5354948"/>
+              <a:ext cx="215285" cy="46453"/>
             </a:xfrm>
             <a:prstGeom prst="rect">
               <a:avLst/>
@@ -4994,8 +5952,8 @@
           </p:nvSpPr>
           <p:spPr>
             <a:xfrm>
-              <a:off x="5441253" y="6254681"/>
-              <a:ext cx="215285" cy="2118"/>
+              <a:off x="5441253" y="5399663"/>
+              <a:ext cx="215285" cy="1737"/>
             </a:xfrm>
             <a:prstGeom prst="rect">
               <a:avLst/>
@@ -5029,8 +5987,8 @@
           </p:nvSpPr>
           <p:spPr>
             <a:xfrm>
-              <a:off x="5752221" y="5734155"/>
-              <a:ext cx="215285" cy="522643"/>
+              <a:off x="5752221" y="4972826"/>
+              <a:ext cx="215285" cy="428575"/>
             </a:xfrm>
             <a:prstGeom prst="rect">
               <a:avLst/>
@@ -5064,8 +6022,8 @@
           </p:nvSpPr>
           <p:spPr>
             <a:xfrm>
-              <a:off x="5967507" y="5856951"/>
-              <a:ext cx="215285" cy="399847"/>
+              <a:off x="5967507" y="5073507"/>
+              <a:ext cx="215285" cy="327893"/>
             </a:xfrm>
             <a:prstGeom prst="rect">
               <a:avLst/>
@@ -5099,8 +6057,8 @@
           </p:nvSpPr>
           <p:spPr>
             <a:xfrm>
-              <a:off x="6182793" y="6132634"/>
-              <a:ext cx="215285" cy="124164"/>
+              <a:off x="6182793" y="5299584"/>
+              <a:ext cx="215285" cy="101816"/>
             </a:xfrm>
             <a:prstGeom prst="rect">
               <a:avLst/>
@@ -5134,8 +6092,8 @@
           </p:nvSpPr>
           <p:spPr>
             <a:xfrm>
-              <a:off x="6398079" y="6239412"/>
-              <a:ext cx="215285" cy="17387"/>
+              <a:off x="6398079" y="5387136"/>
+              <a:ext cx="215285" cy="14264"/>
             </a:xfrm>
             <a:prstGeom prst="rect">
               <a:avLst/>
@@ -5169,8 +6127,8 @@
           </p:nvSpPr>
           <p:spPr>
             <a:xfrm>
-              <a:off x="6709048" y="5561009"/>
-              <a:ext cx="215285" cy="695789"/>
+              <a:off x="6709048" y="4830843"/>
+              <a:ext cx="215285" cy="570557"/>
             </a:xfrm>
             <a:prstGeom prst="rect">
               <a:avLst/>
@@ -5204,8 +6162,8 @@
           </p:nvSpPr>
           <p:spPr>
             <a:xfrm>
-              <a:off x="6924333" y="5655607"/>
-              <a:ext cx="215285" cy="601191"/>
+              <a:off x="6924333" y="4908403"/>
+              <a:ext cx="215285" cy="492997"/>
             </a:xfrm>
             <a:prstGeom prst="rect">
               <a:avLst/>
@@ -5239,8 +6197,8 @@
           </p:nvSpPr>
           <p:spPr>
             <a:xfrm>
-              <a:off x="7139619" y="6046029"/>
-              <a:ext cx="215285" cy="210769"/>
+              <a:off x="7139619" y="5228567"/>
+              <a:ext cx="215285" cy="172833"/>
             </a:xfrm>
             <a:prstGeom prst="rect">
               <a:avLst/>
@@ -5274,8 +6232,8 @@
           </p:nvSpPr>
           <p:spPr>
             <a:xfrm>
-              <a:off x="7354905" y="6137516"/>
-              <a:ext cx="215285" cy="119282"/>
+              <a:off x="7354905" y="5303575"/>
+              <a:ext cx="215285" cy="97825"/>
             </a:xfrm>
             <a:prstGeom prst="rect">
               <a:avLst/>
@@ -5309,8 +6267,8 @@
           </p:nvSpPr>
           <p:spPr>
             <a:xfrm>
-              <a:off x="7665874" y="5368933"/>
-              <a:ext cx="215285" cy="887866"/>
+              <a:off x="7665874" y="4673338"/>
+              <a:ext cx="215285" cy="728062"/>
             </a:xfrm>
             <a:prstGeom prst="rect">
               <a:avLst/>
@@ -5344,8 +6302,8 @@
           </p:nvSpPr>
           <p:spPr>
             <a:xfrm>
-              <a:off x="7881160" y="5429567"/>
-              <a:ext cx="215285" cy="827232"/>
+              <a:off x="7881160" y="4723045"/>
+              <a:ext cx="215285" cy="678355"/>
             </a:xfrm>
             <a:prstGeom prst="rect">
               <a:avLst/>
@@ -5379,8 +6337,8 @@
           </p:nvSpPr>
           <p:spPr>
             <a:xfrm>
-              <a:off x="8096445" y="5938029"/>
-              <a:ext cx="215285" cy="318769"/>
+              <a:off x="8096445" y="5140005"/>
+              <a:ext cx="215285" cy="261395"/>
             </a:xfrm>
             <a:prstGeom prst="rect">
               <a:avLst/>
@@ -5414,8 +6372,8 @@
           </p:nvSpPr>
           <p:spPr>
             <a:xfrm>
-              <a:off x="8311731" y="5997841"/>
-              <a:ext cx="215285" cy="258958"/>
+              <a:off x="8311731" y="5189038"/>
+              <a:ext cx="215285" cy="212362"/>
             </a:xfrm>
             <a:prstGeom prst="rect">
               <a:avLst/>
@@ -5449,8 +6407,8 @@
           </p:nvSpPr>
           <p:spPr>
             <a:xfrm>
-              <a:off x="8622700" y="5034882"/>
-              <a:ext cx="215285" cy="1221916"/>
+              <a:off x="8622700" y="4399412"/>
+              <a:ext cx="215285" cy="1001988"/>
             </a:xfrm>
             <a:prstGeom prst="rect">
               <a:avLst/>
@@ -5484,8 +6442,8 @@
           </p:nvSpPr>
           <p:spPr>
             <a:xfrm>
-              <a:off x="8837986" y="5085450"/>
-              <a:ext cx="215285" cy="1171349"/>
+              <a:off x="8837986" y="4440864"/>
+              <a:ext cx="215285" cy="960536"/>
             </a:xfrm>
             <a:prstGeom prst="rect">
               <a:avLst/>
@@ -5519,8 +6477,8 @@
           </p:nvSpPr>
           <p:spPr>
             <a:xfrm>
-              <a:off x="9053272" y="5706393"/>
-              <a:ext cx="215285" cy="550406"/>
+              <a:off x="9053272" y="4950060"/>
+              <a:ext cx="215285" cy="451340"/>
             </a:xfrm>
             <a:prstGeom prst="rect">
               <a:avLst/>
@@ -5554,8 +6512,8 @@
           </p:nvSpPr>
           <p:spPr>
             <a:xfrm>
-              <a:off x="9268557" y="5756325"/>
-              <a:ext cx="215285" cy="500474"/>
+              <a:off x="9268557" y="4990991"/>
+              <a:ext cx="215285" cy="410409"/>
             </a:xfrm>
             <a:prstGeom prst="rect">
               <a:avLst/>
@@ -5589,8 +6547,8 @@
           </p:nvSpPr>
           <p:spPr>
             <a:xfrm>
-              <a:off x="9579526" y="4476076"/>
-              <a:ext cx="215285" cy="1780723"/>
+              <a:off x="9579526" y="3941183"/>
+              <a:ext cx="215285" cy="1460218"/>
             </a:xfrm>
             <a:prstGeom prst="rect">
               <a:avLst/>
@@ -5624,8 +6582,8 @@
           </p:nvSpPr>
           <p:spPr>
             <a:xfrm>
-              <a:off x="9794812" y="4513984"/>
-              <a:ext cx="215285" cy="1742814"/>
+              <a:off x="9794812" y="3972261"/>
+              <a:ext cx="215285" cy="1429139"/>
             </a:xfrm>
             <a:prstGeom prst="rect">
               <a:avLst/>
@@ -5659,8 +6617,8 @@
           </p:nvSpPr>
           <p:spPr>
             <a:xfrm>
-              <a:off x="10010098" y="5266527"/>
-              <a:ext cx="215285" cy="990272"/>
+              <a:off x="10010098" y="4589363"/>
+              <a:ext cx="215285" cy="812037"/>
             </a:xfrm>
             <a:prstGeom prst="rect">
               <a:avLst/>
@@ -5694,8 +6652,8 @@
           </p:nvSpPr>
           <p:spPr>
             <a:xfrm>
-              <a:off x="10225384" y="5304059"/>
-              <a:ext cx="215285" cy="952740"/>
+              <a:off x="10225384" y="4620134"/>
+              <a:ext cx="215285" cy="781266"/>
             </a:xfrm>
             <a:prstGeom prst="rect">
               <a:avLst/>
@@ -5729,8 +6687,8 @@
           </p:nvSpPr>
           <p:spPr>
             <a:xfrm>
-              <a:off x="10536352" y="1574451"/>
-              <a:ext cx="215285" cy="4682348"/>
+              <a:off x="10536352" y="1561809"/>
+              <a:ext cx="215285" cy="3839591"/>
             </a:xfrm>
             <a:prstGeom prst="rect">
               <a:avLst/>
@@ -5764,8 +6722,8 @@
           </p:nvSpPr>
           <p:spPr>
             <a:xfrm>
-              <a:off x="10751638" y="1587959"/>
-              <a:ext cx="215285" cy="4668839"/>
+              <a:off x="10751638" y="1572872"/>
+              <a:ext cx="215285" cy="3828528"/>
             </a:xfrm>
             <a:prstGeom prst="rect">
               <a:avLst/>
@@ -5799,8 +6757,8 @@
           </p:nvSpPr>
           <p:spPr>
             <a:xfrm>
-              <a:off x="10966924" y="2472568"/>
-              <a:ext cx="215285" cy="3784231"/>
+              <a:off x="10966924" y="2298278"/>
+              <a:ext cx="215285" cy="3103122"/>
             </a:xfrm>
             <a:prstGeom prst="rect">
               <a:avLst/>
@@ -5834,8 +6792,8 @@
           </p:nvSpPr>
           <p:spPr>
             <a:xfrm>
-              <a:off x="11182210" y="2485488"/>
-              <a:ext cx="215285" cy="3771310"/>
+              <a:off x="11182210" y="2308858"/>
+              <a:ext cx="215285" cy="3092542"/>
             </a:xfrm>
             <a:prstGeom prst="rect">
               <a:avLst/>
@@ -5869,7 +6827,7 @@
           </p:nvSpPr>
           <p:spPr>
             <a:xfrm>
-              <a:off x="1424634" y="6136360"/>
+              <a:off x="1424634" y="5280961"/>
               <a:ext cx="254272" cy="202257"/>
             </a:xfrm>
             <a:prstGeom prst="rect">
@@ -5915,7 +6873,7 @@
           </p:nvSpPr>
           <p:spPr>
             <a:xfrm>
-              <a:off x="979713" y="4366765"/>
+              <a:off x="979713" y="3539509"/>
               <a:ext cx="699194" cy="211075"/>
             </a:xfrm>
             <a:prstGeom prst="rect">
@@ -5961,7 +6919,7 @@
           </p:nvSpPr>
           <p:spPr>
             <a:xfrm>
-              <a:off x="852576" y="2605988"/>
+              <a:off x="852576" y="1806875"/>
               <a:ext cx="826330" cy="211075"/>
             </a:xfrm>
             <a:prstGeom prst="rect">
@@ -6007,7 +6965,7 @@
           </p:nvSpPr>
           <p:spPr>
             <a:xfrm>
-              <a:off x="1781393" y="6256799"/>
+              <a:off x="1781393" y="5401401"/>
               <a:ext cx="9759626" cy="0"/>
             </a:xfrm>
             <a:custGeom>
@@ -6047,7 +7005,7 @@
           </p:nvSpPr>
           <p:spPr>
             <a:xfrm>
-              <a:off x="2355489" y="6256799"/>
+              <a:off x="2355489" y="5401401"/>
               <a:ext cx="0" cy="56936"/>
             </a:xfrm>
             <a:custGeom>
@@ -6087,7 +7045,7 @@
           </p:nvSpPr>
           <p:spPr>
             <a:xfrm>
-              <a:off x="3312315" y="6256799"/>
+              <a:off x="3312315" y="5401401"/>
               <a:ext cx="0" cy="56936"/>
             </a:xfrm>
             <a:custGeom>
@@ -6127,7 +7085,7 @@
           </p:nvSpPr>
           <p:spPr>
             <a:xfrm>
-              <a:off x="4269141" y="6256799"/>
+              <a:off x="4269141" y="5401401"/>
               <a:ext cx="0" cy="56936"/>
             </a:xfrm>
             <a:custGeom>
@@ -6167,7 +7125,7 @@
           </p:nvSpPr>
           <p:spPr>
             <a:xfrm>
-              <a:off x="5225967" y="6256799"/>
+              <a:off x="5225967" y="5401401"/>
               <a:ext cx="0" cy="56936"/>
             </a:xfrm>
             <a:custGeom>
@@ -6207,7 +7165,7 @@
           </p:nvSpPr>
           <p:spPr>
             <a:xfrm>
-              <a:off x="6182793" y="6256799"/>
+              <a:off x="6182793" y="5401401"/>
               <a:ext cx="0" cy="56936"/>
             </a:xfrm>
             <a:custGeom>
@@ -6247,7 +7205,7 @@
           </p:nvSpPr>
           <p:spPr>
             <a:xfrm>
-              <a:off x="7139619" y="6256799"/>
+              <a:off x="7139619" y="5401401"/>
               <a:ext cx="0" cy="56936"/>
             </a:xfrm>
             <a:custGeom>
@@ -6287,7 +7245,7 @@
           </p:nvSpPr>
           <p:spPr>
             <a:xfrm>
-              <a:off x="8096445" y="6256799"/>
+              <a:off x="8096445" y="5401401"/>
               <a:ext cx="0" cy="56936"/>
             </a:xfrm>
             <a:custGeom>
@@ -6327,7 +7285,7 @@
           </p:nvSpPr>
           <p:spPr>
             <a:xfrm>
-              <a:off x="9053272" y="6256799"/>
+              <a:off x="9053272" y="5401401"/>
               <a:ext cx="0" cy="56936"/>
             </a:xfrm>
             <a:custGeom>
@@ -6367,7 +7325,7 @@
           </p:nvSpPr>
           <p:spPr>
             <a:xfrm>
-              <a:off x="10010098" y="6256799"/>
+              <a:off x="10010098" y="5401401"/>
               <a:ext cx="0" cy="56936"/>
             </a:xfrm>
             <a:custGeom>
@@ -6407,7 +7365,7 @@
           </p:nvSpPr>
           <p:spPr>
             <a:xfrm>
-              <a:off x="10966924" y="6256799"/>
+              <a:off x="10966924" y="5401401"/>
               <a:ext cx="0" cy="56936"/>
             </a:xfrm>
             <a:custGeom>
@@ -6447,7 +7405,7 @@
           </p:nvSpPr>
           <p:spPr>
             <a:xfrm>
-              <a:off x="2291920" y="6358615"/>
+              <a:off x="2291920" y="5503217"/>
               <a:ext cx="127136" cy="164306"/>
             </a:xfrm>
             <a:prstGeom prst="rect">
@@ -6493,7 +7451,7 @@
           </p:nvSpPr>
           <p:spPr>
             <a:xfrm>
-              <a:off x="3248747" y="6358615"/>
+              <a:off x="3248747" y="5503217"/>
               <a:ext cx="127136" cy="164306"/>
             </a:xfrm>
             <a:prstGeom prst="rect">
@@ -6539,7 +7497,7 @@
           </p:nvSpPr>
           <p:spPr>
             <a:xfrm>
-              <a:off x="4205573" y="6355713"/>
+              <a:off x="4205573" y="5500314"/>
               <a:ext cx="127136" cy="167208"/>
             </a:xfrm>
             <a:prstGeom prst="rect">
@@ -6585,7 +7543,7 @@
           </p:nvSpPr>
           <p:spPr>
             <a:xfrm>
-              <a:off x="5162399" y="6359285"/>
+              <a:off x="5162399" y="5503886"/>
               <a:ext cx="127136" cy="163636"/>
             </a:xfrm>
             <a:prstGeom prst="rect">
@@ -6631,7 +7589,7 @@
           </p:nvSpPr>
           <p:spPr>
             <a:xfrm>
-              <a:off x="6119225" y="6358726"/>
+              <a:off x="6119225" y="5503328"/>
               <a:ext cx="127136" cy="164194"/>
             </a:xfrm>
             <a:prstGeom prst="rect">
@@ -6677,7 +7635,7 @@
           </p:nvSpPr>
           <p:spPr>
             <a:xfrm>
-              <a:off x="7076051" y="6355824"/>
+              <a:off x="7076051" y="5500426"/>
               <a:ext cx="127136" cy="167096"/>
             </a:xfrm>
             <a:prstGeom prst="rect">
@@ -6723,7 +7681,7 @@
           </p:nvSpPr>
           <p:spPr>
             <a:xfrm>
-              <a:off x="8032877" y="6361405"/>
+              <a:off x="8032877" y="5506007"/>
               <a:ext cx="127136" cy="161515"/>
             </a:xfrm>
             <a:prstGeom prst="rect">
@@ -6769,7 +7727,7 @@
           </p:nvSpPr>
           <p:spPr>
             <a:xfrm>
-              <a:off x="8989703" y="6355824"/>
+              <a:off x="8989703" y="5500426"/>
               <a:ext cx="127136" cy="167096"/>
             </a:xfrm>
             <a:prstGeom prst="rect">
@@ -6815,7 +7773,7 @@
           </p:nvSpPr>
           <p:spPr>
             <a:xfrm>
-              <a:off x="9946529" y="6355824"/>
+              <a:off x="9946529" y="5500426"/>
               <a:ext cx="127136" cy="167096"/>
             </a:xfrm>
             <a:prstGeom prst="rect">
@@ -6861,7 +7819,7 @@
           </p:nvSpPr>
           <p:spPr>
             <a:xfrm>
-              <a:off x="10839787" y="6355824"/>
+              <a:off x="10839787" y="5500426"/>
               <a:ext cx="254272" cy="167096"/>
             </a:xfrm>
             <a:prstGeom prst="rect">
@@ -6907,7 +7865,7 @@
           </p:nvSpPr>
           <p:spPr>
             <a:xfrm>
-              <a:off x="6343588" y="6625287"/>
+              <a:off x="6343588" y="5769889"/>
               <a:ext cx="635235" cy="166315"/>
             </a:xfrm>
             <a:prstGeom prst="rect">
@@ -6953,8 +7911,8 @@
           </p:nvSpPr>
           <p:spPr>
             <a:xfrm>
-              <a:off x="1781393" y="1504216"/>
-              <a:ext cx="5767424" cy="1207741"/>
+              <a:off x="1781393" y="1504215"/>
+              <a:ext cx="6873254" cy="960853"/>
             </a:xfrm>
             <a:prstGeom prst="rect">
               <a:avLst/>
@@ -7163,7 +8121,7 @@
           <p:spPr>
             <a:xfrm>
               <a:off x="1781393" y="2253324"/>
-              <a:ext cx="182880" cy="458633"/>
+              <a:ext cx="182880" cy="211745"/>
             </a:xfrm>
             <a:prstGeom prst="rect">
               <a:avLst/>
@@ -7189,7 +8147,7 @@
           <p:spPr>
             <a:xfrm>
               <a:off x="1786138" y="2258069"/>
-              <a:ext cx="173390" cy="449143"/>
+              <a:ext cx="173390" cy="202255"/>
             </a:xfrm>
             <a:prstGeom prst="rect">
               <a:avLst/>
@@ -7224,7 +8182,7 @@
           <p:spPr>
             <a:xfrm>
               <a:off x="2078146" y="1591244"/>
-              <a:ext cx="3011760" cy="214535"/>
+              <a:ext cx="2719536" cy="214535"/>
             </a:xfrm>
             <a:prstGeom prst="rect">
               <a:avLst/>
@@ -7256,7 +8214,7 @@
                   <a:latin typeface="Arial"/>
                   <a:cs typeface="Arial"/>
                 </a:rPr>
-                <a:t>15% tax on all super earnings</a:t>
+                <a:t>15% tax on super earnings</a:t>
               </a:r>
             </a:p>
           </p:txBody>
@@ -7270,7 +8228,7 @@
           <p:spPr>
             <a:xfrm>
               <a:off x="2078146" y="1802989"/>
-              <a:ext cx="5413734" cy="214535"/>
+              <a:ext cx="5121510" cy="214535"/>
             </a:xfrm>
             <a:prstGeom prst="rect">
               <a:avLst/>
@@ -7302,7 +8260,7 @@
                   <a:latin typeface="Arial"/>
                   <a:cs typeface="Arial"/>
                 </a:rPr>
-                <a:t>15% tax on all super earnings after behaviour change</a:t>
+                <a:t>15% tax on super earnings after behaviour change</a:t>
               </a:r>
             </a:p>
           </p:txBody>
@@ -7362,7 +8320,7 @@
           <p:spPr>
             <a:xfrm>
               <a:off x="2078146" y="2214201"/>
-              <a:ext cx="4117590" cy="226814"/>
+              <a:ext cx="6519564" cy="226814"/>
             </a:xfrm>
             <a:prstGeom prst="rect">
               <a:avLst/>
@@ -7394,7 +8352,7 @@
                   <a:latin typeface="Arial"/>
                   <a:cs typeface="Arial"/>
                 </a:rPr>
-                <a:t>15% tax on super earnings over $20,000</a:t>
+                <a:t>15% tax on super earnings over $20,000 after behaviour change</a:t>
               </a:r>
             </a:p>
           </p:txBody>
@@ -7407,8 +8365,8 @@
           </p:nvSpPr>
           <p:spPr>
             <a:xfrm>
-              <a:off x="2078146" y="2473367"/>
-              <a:ext cx="2338461" cy="214535"/>
+              <a:off x="852576" y="6146224"/>
+              <a:ext cx="9852357" cy="118695"/>
             </a:xfrm>
             <a:prstGeom prst="rect">
               <a:avLst/>
@@ -7421,7 +8379,7 @@
             <a:p>
               <a:pPr algn="l" marL="0" marR="0" indent="0">
                 <a:lnSpc>
-                  <a:spcPts val="1800"/>
+                  <a:spcPts val="999"/>
                 </a:lnSpc>
                 <a:spcBef>
                   <a:spcPts val="0"/>
@@ -7431,7 +8389,7 @@
                 </a:spcAft>
               </a:pPr>
               <a:r>
-                <a:rPr sz="1800">
+                <a:rPr sz="999" i="1">
                   <a:solidFill>
                     <a:srgbClr val="000000">
                       <a:alpha val="100000"/>
@@ -7440,7 +8398,191 @@
                   <a:latin typeface="Arial"/>
                   <a:cs typeface="Arial"/>
                 </a:rPr>
-                <a:t>after behaviour change</a:t>
+                <a:t>Note: Earnings estimated as 5% of super balances. Effective earnings tax assumed to be 12.5%. Behavioural response assumed to be that individuals whose taxable income is</a:t>
+              </a:r>
+            </a:p>
+          </p:txBody>
+        </p:sp>
+        <p:sp>
+          <p:nvSpPr>
+            <p:cNvPr id="90" name="tx88"/>
+            <p:cNvSpPr/>
+            <p:nvPr/>
+          </p:nvSpPr>
+          <p:spPr>
+            <a:xfrm>
+              <a:off x="852576" y="6283247"/>
+              <a:ext cx="9551901" cy="118695"/>
+            </a:xfrm>
+            <a:prstGeom prst="rect">
+              <a:avLst/>
+            </a:prstGeom>
+            <a:noFill/>
+          </p:spPr>
+          <p:txBody>
+            <a:bodyPr lIns="0" rIns="0" tIns="0" bIns="0" anchorCtr="1" anchor="ctr" wrap="none"/>
+            <a:lstStyle/>
+            <a:p>
+              <a:pPr algn="l" marL="0" marR="0" indent="0">
+                <a:lnSpc>
+                  <a:spcPts val="999"/>
+                </a:lnSpc>
+                <a:spcBef>
+                  <a:spcPts val="0"/>
+                </a:spcBef>
+                <a:spcAft>
+                  <a:spcPts val="0"/>
+                </a:spcAft>
+              </a:pPr>
+              <a:r>
+                <a:rPr sz="999" i="1">
+                  <a:solidFill>
+                    <a:srgbClr val="000000">
+                      <a:alpha val="100000"/>
+                    </a:srgbClr>
+                  </a:solidFill>
+                  <a:latin typeface="Arial"/>
+                  <a:cs typeface="Arial"/>
+                </a:rPr>
+                <a:t>below either the tax-free threshold or the taxable income at which most people's marginal tax rate exceeds 12.5% would transfer as much super earnings into their taxable</a:t>
+              </a:r>
+            </a:p>
+          </p:txBody>
+        </p:sp>
+        <p:sp>
+          <p:nvSpPr>
+            <p:cNvPr id="91" name="tx89"/>
+            <p:cNvSpPr/>
+            <p:nvPr/>
+          </p:nvSpPr>
+          <p:spPr>
+            <a:xfrm>
+              <a:off x="852576" y="6415376"/>
+              <a:ext cx="9831294" cy="123589"/>
+            </a:xfrm>
+            <a:prstGeom prst="rect">
+              <a:avLst/>
+            </a:prstGeom>
+            <a:noFill/>
+          </p:spPr>
+          <p:txBody>
+            <a:bodyPr lIns="0" rIns="0" tIns="0" bIns="0" anchorCtr="1" anchor="ctr" wrap="none"/>
+            <a:lstStyle/>
+            <a:p>
+              <a:pPr algn="l" marL="0" marR="0" indent="0">
+                <a:lnSpc>
+                  <a:spcPts val="999"/>
+                </a:lnSpc>
+                <a:spcBef>
+                  <a:spcPts val="0"/>
+                </a:spcBef>
+                <a:spcAft>
+                  <a:spcPts val="0"/>
+                </a:spcAft>
+              </a:pPr>
+              <a:r>
+                <a:rPr sz="999" i="1">
+                  <a:solidFill>
+                    <a:srgbClr val="000000">
+                      <a:alpha val="100000"/>
+                    </a:srgbClr>
+                  </a:solidFill>
+                  <a:latin typeface="Arial"/>
+                  <a:cs typeface="Arial"/>
+                </a:rPr>
+                <a:t>income as would reduce their tax. The effective tax-free threshold is the most common taxable income in which people of that age and partner status pay between $1 and $100</a:t>
+              </a:r>
+            </a:p>
+          </p:txBody>
+        </p:sp>
+        <p:sp>
+          <p:nvSpPr>
+            <p:cNvPr id="92" name="tx90"/>
+            <p:cNvSpPr/>
+            <p:nvPr/>
+          </p:nvSpPr>
+          <p:spPr>
+            <a:xfrm>
+              <a:off x="852576" y="6557293"/>
+              <a:ext cx="9506306" cy="118695"/>
+            </a:xfrm>
+            <a:prstGeom prst="rect">
+              <a:avLst/>
+            </a:prstGeom>
+            <a:noFill/>
+          </p:spPr>
+          <p:txBody>
+            <a:bodyPr lIns="0" rIns="0" tIns="0" bIns="0" anchorCtr="1" anchor="ctr" wrap="none"/>
+            <a:lstStyle/>
+            <a:p>
+              <a:pPr algn="l" marL="0" marR="0" indent="0">
+                <a:lnSpc>
+                  <a:spcPts val="999"/>
+                </a:lnSpc>
+                <a:spcBef>
+                  <a:spcPts val="0"/>
+                </a:spcBef>
+                <a:spcAft>
+                  <a:spcPts val="0"/>
+                </a:spcAft>
+              </a:pPr>
+              <a:r>
+                <a:rPr sz="999" i="1">
+                  <a:solidFill>
+                    <a:srgbClr val="000000">
+                      <a:alpha val="100000"/>
+                    </a:srgbClr>
+                  </a:solidFill>
+                  <a:latin typeface="Arial"/>
+                  <a:cs typeface="Arial"/>
+                </a:rPr>
+                <a:t>income tax. The threshold for the 12.5% marginal rate is the minimum taxable income at which the marginal tax rate is greater than 12.5% for that age and partner status.</a:t>
+              </a:r>
+            </a:p>
+          </p:txBody>
+        </p:sp>
+        <p:sp>
+          <p:nvSpPr>
+            <p:cNvPr id="93" name="tx91"/>
+            <p:cNvSpPr/>
+            <p:nvPr/>
+          </p:nvSpPr>
+          <p:spPr>
+            <a:xfrm>
+              <a:off x="852576" y="6695431"/>
+              <a:ext cx="2129707" cy="117580"/>
+            </a:xfrm>
+            <a:prstGeom prst="rect">
+              <a:avLst/>
+            </a:prstGeom>
+            <a:noFill/>
+          </p:spPr>
+          <p:txBody>
+            <a:bodyPr lIns="0" rIns="0" tIns="0" bIns="0" anchorCtr="1" anchor="ctr" wrap="none"/>
+            <a:lstStyle/>
+            <a:p>
+              <a:pPr algn="l" marL="0" marR="0" indent="0">
+                <a:lnSpc>
+                  <a:spcPts val="999"/>
+                </a:lnSpc>
+                <a:spcBef>
+                  <a:spcPts val="0"/>
+                </a:spcBef>
+                <a:spcAft>
+                  <a:spcPts val="0"/>
+                </a:spcAft>
+              </a:pPr>
+              <a:r>
+                <a:rPr sz="999" i="1">
+                  <a:solidFill>
+                    <a:srgbClr val="000000">
+                      <a:alpha val="100000"/>
+                    </a:srgbClr>
+                  </a:solidFill>
+                  <a:latin typeface="Arial"/>
+                  <a:cs typeface="Arial"/>
+                </a:rPr>
+                <a:t>Source: ATO 2017-18 2% sample file.</a:t>
               </a:r>
             </a:p>
           </p:txBody>
